--- a/Survival projekt.pptx
+++ b/Survival projekt.pptx
@@ -261,7 +261,7 @@
           <a:p>
             <a:fld id="{F6D63833-2798-4E1D-939D-51AE2B416A54}" type="datetimeFigureOut">
               <a:rPr lang="cs-CZ" smtClean="0"/>
-              <a:t>16.04.2016</a:t>
+              <a:t>16.4.2016</a:t>
             </a:fld>
             <a:endParaRPr lang="cs-CZ"/>
           </a:p>
@@ -431,7 +431,7 @@
           <a:p>
             <a:fld id="{F6D63833-2798-4E1D-939D-51AE2B416A54}" type="datetimeFigureOut">
               <a:rPr lang="cs-CZ" smtClean="0"/>
-              <a:t>16.04.2016</a:t>
+              <a:t>16.4.2016</a:t>
             </a:fld>
             <a:endParaRPr lang="cs-CZ"/>
           </a:p>
@@ -611,7 +611,7 @@
           <a:p>
             <a:fld id="{F6D63833-2798-4E1D-939D-51AE2B416A54}" type="datetimeFigureOut">
               <a:rPr lang="cs-CZ" smtClean="0"/>
-              <a:t>16.04.2016</a:t>
+              <a:t>16.4.2016</a:t>
             </a:fld>
             <a:endParaRPr lang="cs-CZ"/>
           </a:p>
@@ -781,7 +781,7 @@
           <a:p>
             <a:fld id="{F6D63833-2798-4E1D-939D-51AE2B416A54}" type="datetimeFigureOut">
               <a:rPr lang="cs-CZ" smtClean="0"/>
-              <a:t>16.04.2016</a:t>
+              <a:t>16.4.2016</a:t>
             </a:fld>
             <a:endParaRPr lang="cs-CZ"/>
           </a:p>
@@ -1027,7 +1027,7 @@
           <a:p>
             <a:fld id="{F6D63833-2798-4E1D-939D-51AE2B416A54}" type="datetimeFigureOut">
               <a:rPr lang="cs-CZ" smtClean="0"/>
-              <a:t>16.04.2016</a:t>
+              <a:t>16.4.2016</a:t>
             </a:fld>
             <a:endParaRPr lang="cs-CZ"/>
           </a:p>
@@ -1259,7 +1259,7 @@
           <a:p>
             <a:fld id="{F6D63833-2798-4E1D-939D-51AE2B416A54}" type="datetimeFigureOut">
               <a:rPr lang="cs-CZ" smtClean="0"/>
-              <a:t>16.04.2016</a:t>
+              <a:t>16.4.2016</a:t>
             </a:fld>
             <a:endParaRPr lang="cs-CZ"/>
           </a:p>
@@ -1626,7 +1626,7 @@
           <a:p>
             <a:fld id="{F6D63833-2798-4E1D-939D-51AE2B416A54}" type="datetimeFigureOut">
               <a:rPr lang="cs-CZ" smtClean="0"/>
-              <a:t>16.04.2016</a:t>
+              <a:t>16.4.2016</a:t>
             </a:fld>
             <a:endParaRPr lang="cs-CZ"/>
           </a:p>
@@ -1744,7 +1744,7 @@
           <a:p>
             <a:fld id="{F6D63833-2798-4E1D-939D-51AE2B416A54}" type="datetimeFigureOut">
               <a:rPr lang="cs-CZ" smtClean="0"/>
-              <a:t>16.04.2016</a:t>
+              <a:t>16.4.2016</a:t>
             </a:fld>
             <a:endParaRPr lang="cs-CZ"/>
           </a:p>
@@ -1839,7 +1839,7 @@
           <a:p>
             <a:fld id="{F6D63833-2798-4E1D-939D-51AE2B416A54}" type="datetimeFigureOut">
               <a:rPr lang="cs-CZ" smtClean="0"/>
-              <a:t>16.04.2016</a:t>
+              <a:t>16.4.2016</a:t>
             </a:fld>
             <a:endParaRPr lang="cs-CZ"/>
           </a:p>
@@ -2116,7 +2116,7 @@
           <a:p>
             <a:fld id="{F6D63833-2798-4E1D-939D-51AE2B416A54}" type="datetimeFigureOut">
               <a:rPr lang="cs-CZ" smtClean="0"/>
-              <a:t>16.04.2016</a:t>
+              <a:t>16.4.2016</a:t>
             </a:fld>
             <a:endParaRPr lang="cs-CZ"/>
           </a:p>
@@ -2369,7 +2369,7 @@
           <a:p>
             <a:fld id="{F6D63833-2798-4E1D-939D-51AE2B416A54}" type="datetimeFigureOut">
               <a:rPr lang="cs-CZ" smtClean="0"/>
-              <a:t>16.04.2016</a:t>
+              <a:t>16.4.2016</a:t>
             </a:fld>
             <a:endParaRPr lang="cs-CZ"/>
           </a:p>
@@ -2582,7 +2582,7 @@
           <a:p>
             <a:fld id="{F6D63833-2798-4E1D-939D-51AE2B416A54}" type="datetimeFigureOut">
               <a:rPr lang="cs-CZ" smtClean="0"/>
-              <a:t>16.04.2016</a:t>
+              <a:t>16.4.2016</a:t>
             </a:fld>
             <a:endParaRPr lang="cs-CZ"/>
           </a:p>
@@ -3051,6 +3051,13 @@
   <p:clrMapOvr>
     <a:masterClrMapping/>
   </p:clrMapOvr>
+  <p:timing>
+    <p:tnLst>
+      <p:par>
+        <p:cTn id="1" dur="indefinite" restart="never" nodeType="tmRoot"/>
+      </p:par>
+    </p:tnLst>
+  </p:timing>
 </p:sld>
 </file>
 
@@ -3151,6 +3158,13 @@
   <p:clrMapOvr>
     <a:masterClrMapping/>
   </p:clrMapOvr>
+  <p:timing>
+    <p:tnLst>
+      <p:par>
+        <p:cTn id="1" dur="indefinite" restart="never" nodeType="tmRoot"/>
+      </p:par>
+    </p:tnLst>
+  </p:timing>
 </p:sld>
 </file>
 
@@ -3265,6 +3279,13 @@
   <p:clrMapOvr>
     <a:masterClrMapping/>
   </p:clrMapOvr>
+  <p:timing>
+    <p:tnLst>
+      <p:par>
+        <p:cTn id="1" dur="indefinite" restart="never" nodeType="tmRoot"/>
+      </p:par>
+    </p:tnLst>
+  </p:timing>
 </p:sld>
 </file>
 
@@ -3362,6 +3383,13 @@
   <p:clrMapOvr>
     <a:masterClrMapping/>
   </p:clrMapOvr>
+  <p:timing>
+    <p:tnLst>
+      <p:par>
+        <p:cTn id="1" dur="indefinite" restart="never" nodeType="tmRoot"/>
+      </p:par>
+    </p:tnLst>
+  </p:timing>
 </p:sld>
 </file>
 
@@ -4134,6 +4162,13 @@
   <p:clrMapOvr>
     <a:masterClrMapping/>
   </p:clrMapOvr>
+  <p:timing>
+    <p:tnLst>
+      <p:par>
+        <p:cTn id="1" dur="indefinite" restart="never" nodeType="tmRoot"/>
+      </p:par>
+    </p:tnLst>
+  </p:timing>
 </p:sld>
 </file>
 
@@ -4266,6 +4301,13 @@
   <p:clrMapOvr>
     <a:masterClrMapping/>
   </p:clrMapOvr>
+  <p:timing>
+    <p:tnLst>
+      <p:par>
+        <p:cTn id="1" dur="indefinite" restart="never" nodeType="tmRoot"/>
+      </p:par>
+    </p:tnLst>
+  </p:timing>
 </p:sld>
 </file>
 
@@ -4301,32 +4343,137 @@
           <a:bodyPr/>
           <a:lstStyle/>
           <a:p>
+            <a:r>
+              <a:rPr lang="cs-CZ" dirty="0" smtClean="0"/>
+              <a:t>Děkujeme za pozornost</a:t>
+            </a:r>
             <a:endParaRPr lang="cs-CZ" dirty="0"/>
           </a:p>
         </p:txBody>
       </p:sp>
-      <p:sp>
-        <p:nvSpPr>
-          <p:cNvPr id="3" name="Zástupný symbol pro obsah 2"/>
-          <p:cNvSpPr>
-            <a:spLocks noGrp="1"/>
-          </p:cNvSpPr>
-          <p:nvPr>
-            <p:ph idx="1"/>
-          </p:nvPr>
-        </p:nvSpPr>
-        <p:spPr/>
-        <p:txBody>
-          <a:bodyPr/>
-          <a:lstStyle/>
-          <a:p>
-            <a:pPr marL="0" indent="0">
-              <a:buNone/>
-            </a:pPr>
-            <a:endParaRPr lang="cs-CZ" dirty="0"/>
-          </a:p>
-        </p:txBody>
-      </p:sp>
+      <p:pic>
+        <p:nvPicPr>
+          <p:cNvPr id="2051" name="Picture 3" descr="C:\Users\Jirka\Desktop\final2.PNG"/>
+          <p:cNvPicPr>
+            <a:picLocks noChangeAspect="1" noChangeArrowheads="1"/>
+          </p:cNvPicPr>
+          <p:nvPr/>
+        </p:nvPicPr>
+        <p:blipFill>
+          <a:blip r:embed="rId2">
+            <a:extLst>
+              <a:ext uri="{28A0092B-C50C-407E-A947-70E740481C1C}">
+                <a14:useLocalDpi xmlns:a14="http://schemas.microsoft.com/office/drawing/2010/main" val="0"/>
+              </a:ext>
+            </a:extLst>
+          </a:blip>
+          <a:srcRect/>
+          <a:stretch>
+            <a:fillRect/>
+          </a:stretch>
+        </p:blipFill>
+        <p:spPr bwMode="auto">
+          <a:xfrm>
+            <a:off x="382588" y="3706813"/>
+            <a:ext cx="4314825" cy="2847975"/>
+          </a:xfrm>
+          <a:prstGeom prst="rect">
+            <a:avLst/>
+          </a:prstGeom>
+          <a:noFill/>
+          <a:extLst>
+            <a:ext uri="{909E8E84-426E-40DD-AFC4-6F175D3DCCD1}">
+              <a14:hiddenFill xmlns:a14="http://schemas.microsoft.com/office/drawing/2010/main">
+                <a:solidFill>
+                  <a:srgbClr val="FFFFFF"/>
+                </a:solidFill>
+              </a14:hiddenFill>
+            </a:ext>
+          </a:extLst>
+        </p:spPr>
+      </p:pic>
+      <p:pic>
+        <p:nvPicPr>
+          <p:cNvPr id="2052" name="Picture 4" descr="C:\Users\Jirka\Desktop\final3.PNG"/>
+          <p:cNvPicPr>
+            <a:picLocks noChangeAspect="1" noChangeArrowheads="1"/>
+          </p:cNvPicPr>
+          <p:nvPr/>
+        </p:nvPicPr>
+        <p:blipFill>
+          <a:blip r:embed="rId3">
+            <a:extLst>
+              <a:ext uri="{28A0092B-C50C-407E-A947-70E740481C1C}">
+                <a14:useLocalDpi xmlns:a14="http://schemas.microsoft.com/office/drawing/2010/main" val="0"/>
+              </a:ext>
+            </a:extLst>
+          </a:blip>
+          <a:srcRect/>
+          <a:stretch>
+            <a:fillRect/>
+          </a:stretch>
+        </p:blipFill>
+        <p:spPr bwMode="auto">
+          <a:xfrm>
+            <a:off x="4362450" y="2011362"/>
+            <a:ext cx="4305300" cy="3629025"/>
+          </a:xfrm>
+          <a:prstGeom prst="rect">
+            <a:avLst/>
+          </a:prstGeom>
+          <a:noFill/>
+          <a:extLst>
+            <a:ext uri="{909E8E84-426E-40DD-AFC4-6F175D3DCCD1}">
+              <a14:hiddenFill xmlns:a14="http://schemas.microsoft.com/office/drawing/2010/main">
+                <a:solidFill>
+                  <a:srgbClr val="FFFFFF"/>
+                </a:solidFill>
+              </a14:hiddenFill>
+            </a:ext>
+          </a:extLst>
+        </p:spPr>
+      </p:pic>
+      <p:pic>
+        <p:nvPicPr>
+          <p:cNvPr id="2050" name="Picture 2" descr="C:\Users\Jirka\Desktop\final1.PNG"/>
+          <p:cNvPicPr>
+            <a:picLocks noChangeAspect="1" noChangeArrowheads="1"/>
+          </p:cNvPicPr>
+          <p:nvPr/>
+        </p:nvPicPr>
+        <p:blipFill>
+          <a:blip r:embed="rId4">
+            <a:extLst>
+              <a:ext uri="{28A0092B-C50C-407E-A947-70E740481C1C}">
+                <a14:useLocalDpi xmlns:a14="http://schemas.microsoft.com/office/drawing/2010/main" val="0"/>
+              </a:ext>
+            </a:extLst>
+          </a:blip>
+          <a:srcRect/>
+          <a:stretch>
+            <a:fillRect/>
+          </a:stretch>
+        </p:blipFill>
+        <p:spPr bwMode="auto">
+          <a:xfrm>
+            <a:off x="8489950" y="212724"/>
+            <a:ext cx="3276600" cy="4524375"/>
+          </a:xfrm>
+          <a:prstGeom prst="rect">
+            <a:avLst/>
+          </a:prstGeom>
+          <a:noFill/>
+          <a:extLst>
+            <a:ext uri="{909E8E84-426E-40DD-AFC4-6F175D3DCCD1}">
+              <a14:hiddenFill xmlns:a14="http://schemas.microsoft.com/office/drawing/2010/main">
+                <a:solidFill>
+                  <a:srgbClr val="FFFFFF"/>
+                </a:solidFill>
+              </a14:hiddenFill>
+            </a:ext>
+          </a:extLst>
+        </p:spPr>
+      </p:pic>
     </p:spTree>
     <p:extLst>
       <p:ext uri="{BB962C8B-B14F-4D97-AF65-F5344CB8AC3E}">
@@ -4337,6 +4484,13 @@
   <p:clrMapOvr>
     <a:masterClrMapping/>
   </p:clrMapOvr>
+  <p:timing>
+    <p:tnLst>
+      <p:par>
+        <p:cTn id="1" dur="indefinite" restart="never" nodeType="tmRoot"/>
+      </p:par>
+    </p:tnLst>
+  </p:timing>
 </p:sld>
 </file>
 
@@ -4383,7 +4537,7 @@
     </a:clrScheme>
     <a:fontScheme name="Kancelář">
       <a:majorFont>
-        <a:latin typeface="Calibri Light" panose="020F0302020204030204"/>
+        <a:latin typeface="Calibri Light"/>
         <a:ea typeface=""/>
         <a:cs typeface=""/>
         <a:font script="Jpan" typeface="ＭＳ Ｐゴシック"/>
@@ -4418,7 +4572,7 @@
         <a:font script="Geor" typeface="Sylfaen"/>
       </a:majorFont>
       <a:minorFont>
-        <a:latin typeface="Calibri" panose="020F0502020204030204"/>
+        <a:latin typeface="Calibri"/>
         <a:ea typeface=""/>
         <a:cs typeface=""/>
         <a:font script="Jpan" typeface="ＭＳ Ｐゴシック"/>
@@ -4595,7 +4749,7 @@
   <a:extraClrSchemeLst/>
   <a:extLst>
     <a:ext uri="{05A4C25C-085E-4340-85A3-A5531E510DB2}">
-      <thm15:themeFamily xmlns:thm15="http://schemas.microsoft.com/office/thememl/2012/main" name="Office Theme" id="{62F939B6-93AF-4DB8-9C6B-D6C7DFDC589F}" vid="{4A3C46E8-61CC-4603-A589-7422A47A8E4A}"/>
+      <thm15:themeFamily xmlns:thm15="http://schemas.microsoft.com/office/thememl/2012/main" xmlns="" name="Office Theme" id="{62F939B6-93AF-4DB8-9C6B-D6C7DFDC589F}" vid="{4A3C46E8-61CC-4603-A589-7422A47A8E4A}"/>
     </a:ext>
   </a:extLst>
 </a:theme>
